--- a/介绍我自己.pptx
+++ b/介绍我自己.pptx
@@ -1,14 +1,14 @@
 
 <file path=ppt/presentation.xml><?xml version="1.0" encoding="utf-8"?>
-<p:presentation xmlns:a="http://schemas.openxmlformats.org/drawingml/2006/main" xmlns:r="http://schemas.openxmlformats.org/officeDocument/2006/relationships" xmlns:p="http://schemas.openxmlformats.org/presentationml/2006/main" saveSubsetFonts="1">
+<p:presentation xmlns:a="http://schemas.openxmlformats.org/drawingml/2006/main" xmlns:r="http://schemas.openxmlformats.org/officeDocument/2006/relationships" xmlns:p="http://schemas.openxmlformats.org/presentationml/2006/main">
   <p:sldMasterIdLst>
     <p:sldMasterId id="2147483648" r:id="rId1"/>
   </p:sldMasterIdLst>
   <p:sldIdLst>
-    <p:sldId id="256" r:id="rId2"/>
-    <p:sldId id="257" r:id="rId3"/>
-    <p:sldId id="258" r:id="rId4"/>
-    <p:sldId id="259" r:id="rId5"/>
+    <p:sldId id="256" r:id="rId3"/>
+    <p:sldId id="257" r:id="rId4"/>
+    <p:sldId id="258" r:id="rId5"/>
+    <p:sldId id="259" r:id="rId6"/>
   </p:sldIdLst>
   <p:sldSz cx="12192000" cy="6858000"/>
   <p:notesSz cx="6858000" cy="9144000"/>
@@ -241,7 +241,6 @@
           <a:p>
             <a:fld id="{7E57C62A-2D2A-42D8-8094-A3B61F681581}" type="datetimeFigureOut">
               <a:rPr lang="zh-CN" altLang="en-US" smtClean="0"/>
-              <a:t>2016/11/3</a:t>
             </a:fld>
             <a:endParaRPr lang="zh-CN" altLang="en-US"/>
           </a:p>
@@ -283,18 +282,12 @@
           <a:p>
             <a:fld id="{D7DE75F7-4B0D-4F69-A246-7A093C8B660C}" type="slidenum">
               <a:rPr lang="zh-CN" altLang="en-US" smtClean="0"/>
-              <a:t>‹#›</a:t>
             </a:fld>
             <a:endParaRPr lang="zh-CN" altLang="en-US"/>
           </a:p>
         </p:txBody>
       </p:sp>
     </p:spTree>
-    <p:extLst>
-      <p:ext uri="{BB962C8B-B14F-4D97-AF65-F5344CB8AC3E}">
-        <p14:creationId xmlns:p14="http://schemas.microsoft.com/office/powerpoint/2010/main" val="2885027898"/>
-      </p:ext>
-    </p:extLst>
   </p:cSld>
   <p:clrMapOvr>
     <a:masterClrMapping/>
@@ -362,6 +355,7 @@
               <a:rPr lang="zh-CN" altLang="en-US" smtClean="0"/>
               <a:t>单击此处编辑母版文本样式</a:t>
             </a:r>
+            <a:endParaRPr lang="zh-CN" altLang="en-US" smtClean="0"/>
           </a:p>
           <a:p>
             <a:pPr lvl="1"/>
@@ -369,6 +363,7 @@
               <a:rPr lang="zh-CN" altLang="en-US" smtClean="0"/>
               <a:t>第二级</a:t>
             </a:r>
+            <a:endParaRPr lang="zh-CN" altLang="en-US" smtClean="0"/>
           </a:p>
           <a:p>
             <a:pPr lvl="2"/>
@@ -376,6 +371,7 @@
               <a:rPr lang="zh-CN" altLang="en-US" smtClean="0"/>
               <a:t>第三级</a:t>
             </a:r>
+            <a:endParaRPr lang="zh-CN" altLang="en-US" smtClean="0"/>
           </a:p>
           <a:p>
             <a:pPr lvl="3"/>
@@ -383,6 +379,7 @@
               <a:rPr lang="zh-CN" altLang="en-US" smtClean="0"/>
               <a:t>第四级</a:t>
             </a:r>
+            <a:endParaRPr lang="zh-CN" altLang="en-US" smtClean="0"/>
           </a:p>
           <a:p>
             <a:pPr lvl="4"/>
@@ -411,7 +408,6 @@
           <a:p>
             <a:fld id="{7E57C62A-2D2A-42D8-8094-A3B61F681581}" type="datetimeFigureOut">
               <a:rPr lang="zh-CN" altLang="en-US" smtClean="0"/>
-              <a:t>2016/11/3</a:t>
             </a:fld>
             <a:endParaRPr lang="zh-CN" altLang="en-US"/>
           </a:p>
@@ -453,18 +449,12 @@
           <a:p>
             <a:fld id="{D7DE75F7-4B0D-4F69-A246-7A093C8B660C}" type="slidenum">
               <a:rPr lang="zh-CN" altLang="en-US" smtClean="0"/>
-              <a:t>‹#›</a:t>
             </a:fld>
             <a:endParaRPr lang="zh-CN" altLang="en-US"/>
           </a:p>
         </p:txBody>
       </p:sp>
     </p:spTree>
-    <p:extLst>
-      <p:ext uri="{BB962C8B-B14F-4D97-AF65-F5344CB8AC3E}">
-        <p14:creationId xmlns:p14="http://schemas.microsoft.com/office/powerpoint/2010/main" val="4248055924"/>
-      </p:ext>
-    </p:extLst>
   </p:cSld>
   <p:clrMapOvr>
     <a:masterClrMapping/>
@@ -542,6 +532,7 @@
               <a:rPr lang="zh-CN" altLang="en-US" smtClean="0"/>
               <a:t>单击此处编辑母版文本样式</a:t>
             </a:r>
+            <a:endParaRPr lang="zh-CN" altLang="en-US" smtClean="0"/>
           </a:p>
           <a:p>
             <a:pPr lvl="1"/>
@@ -549,6 +540,7 @@
               <a:rPr lang="zh-CN" altLang="en-US" smtClean="0"/>
               <a:t>第二级</a:t>
             </a:r>
+            <a:endParaRPr lang="zh-CN" altLang="en-US" smtClean="0"/>
           </a:p>
           <a:p>
             <a:pPr lvl="2"/>
@@ -556,6 +548,7 @@
               <a:rPr lang="zh-CN" altLang="en-US" smtClean="0"/>
               <a:t>第三级</a:t>
             </a:r>
+            <a:endParaRPr lang="zh-CN" altLang="en-US" smtClean="0"/>
           </a:p>
           <a:p>
             <a:pPr lvl="3"/>
@@ -563,6 +556,7 @@
               <a:rPr lang="zh-CN" altLang="en-US" smtClean="0"/>
               <a:t>第四级</a:t>
             </a:r>
+            <a:endParaRPr lang="zh-CN" altLang="en-US" smtClean="0"/>
           </a:p>
           <a:p>
             <a:pPr lvl="4"/>
@@ -591,7 +585,6 @@
           <a:p>
             <a:fld id="{7E57C62A-2D2A-42D8-8094-A3B61F681581}" type="datetimeFigureOut">
               <a:rPr lang="zh-CN" altLang="en-US" smtClean="0"/>
-              <a:t>2016/11/3</a:t>
             </a:fld>
             <a:endParaRPr lang="zh-CN" altLang="en-US"/>
           </a:p>
@@ -633,18 +626,12 @@
           <a:p>
             <a:fld id="{D7DE75F7-4B0D-4F69-A246-7A093C8B660C}" type="slidenum">
               <a:rPr lang="zh-CN" altLang="en-US" smtClean="0"/>
-              <a:t>‹#›</a:t>
             </a:fld>
             <a:endParaRPr lang="zh-CN" altLang="en-US"/>
           </a:p>
         </p:txBody>
       </p:sp>
     </p:spTree>
-    <p:extLst>
-      <p:ext uri="{BB962C8B-B14F-4D97-AF65-F5344CB8AC3E}">
-        <p14:creationId xmlns:p14="http://schemas.microsoft.com/office/powerpoint/2010/main" val="3714770934"/>
-      </p:ext>
-    </p:extLst>
   </p:cSld>
   <p:clrMapOvr>
     <a:masterClrMapping/>
@@ -712,6 +699,7 @@
               <a:rPr lang="zh-CN" altLang="en-US" smtClean="0"/>
               <a:t>单击此处编辑母版文本样式</a:t>
             </a:r>
+            <a:endParaRPr lang="zh-CN" altLang="en-US" smtClean="0"/>
           </a:p>
           <a:p>
             <a:pPr lvl="1"/>
@@ -719,6 +707,7 @@
               <a:rPr lang="zh-CN" altLang="en-US" smtClean="0"/>
               <a:t>第二级</a:t>
             </a:r>
+            <a:endParaRPr lang="zh-CN" altLang="en-US" smtClean="0"/>
           </a:p>
           <a:p>
             <a:pPr lvl="2"/>
@@ -726,6 +715,7 @@
               <a:rPr lang="zh-CN" altLang="en-US" smtClean="0"/>
               <a:t>第三级</a:t>
             </a:r>
+            <a:endParaRPr lang="zh-CN" altLang="en-US" smtClean="0"/>
           </a:p>
           <a:p>
             <a:pPr lvl="3"/>
@@ -733,6 +723,7 @@
               <a:rPr lang="zh-CN" altLang="en-US" smtClean="0"/>
               <a:t>第四级</a:t>
             </a:r>
+            <a:endParaRPr lang="zh-CN" altLang="en-US" smtClean="0"/>
           </a:p>
           <a:p>
             <a:pPr lvl="4"/>
@@ -761,7 +752,6 @@
           <a:p>
             <a:fld id="{7E57C62A-2D2A-42D8-8094-A3B61F681581}" type="datetimeFigureOut">
               <a:rPr lang="zh-CN" altLang="en-US" smtClean="0"/>
-              <a:t>2016/11/3</a:t>
             </a:fld>
             <a:endParaRPr lang="zh-CN" altLang="en-US"/>
           </a:p>
@@ -803,18 +793,12 @@
           <a:p>
             <a:fld id="{D7DE75F7-4B0D-4F69-A246-7A093C8B660C}" type="slidenum">
               <a:rPr lang="zh-CN" altLang="en-US" smtClean="0"/>
-              <a:t>‹#›</a:t>
             </a:fld>
             <a:endParaRPr lang="zh-CN" altLang="en-US"/>
           </a:p>
         </p:txBody>
       </p:sp>
     </p:spTree>
-    <p:extLst>
-      <p:ext uri="{BB962C8B-B14F-4D97-AF65-F5344CB8AC3E}">
-        <p14:creationId xmlns:p14="http://schemas.microsoft.com/office/powerpoint/2010/main" val="1135999788"/>
-      </p:ext>
-    </p:extLst>
   </p:cSld>
   <p:clrMapOvr>
     <a:masterClrMapping/>
@@ -987,6 +971,7 @@
               <a:rPr lang="zh-CN" altLang="en-US" smtClean="0"/>
               <a:t>单击此处编辑母版文本样式</a:t>
             </a:r>
+            <a:endParaRPr lang="zh-CN" altLang="en-US" smtClean="0"/>
           </a:p>
         </p:txBody>
       </p:sp>
@@ -1007,7 +992,6 @@
           <a:p>
             <a:fld id="{7E57C62A-2D2A-42D8-8094-A3B61F681581}" type="datetimeFigureOut">
               <a:rPr lang="zh-CN" altLang="en-US" smtClean="0"/>
-              <a:t>2016/11/3</a:t>
             </a:fld>
             <a:endParaRPr lang="zh-CN" altLang="en-US"/>
           </a:p>
@@ -1049,18 +1033,12 @@
           <a:p>
             <a:fld id="{D7DE75F7-4B0D-4F69-A246-7A093C8B660C}" type="slidenum">
               <a:rPr lang="zh-CN" altLang="en-US" smtClean="0"/>
-              <a:t>‹#›</a:t>
             </a:fld>
             <a:endParaRPr lang="zh-CN" altLang="en-US"/>
           </a:p>
         </p:txBody>
       </p:sp>
     </p:spTree>
-    <p:extLst>
-      <p:ext uri="{BB962C8B-B14F-4D97-AF65-F5344CB8AC3E}">
-        <p14:creationId xmlns:p14="http://schemas.microsoft.com/office/powerpoint/2010/main" val="4125746934"/>
-      </p:ext>
-    </p:extLst>
   </p:cSld>
   <p:clrMapOvr>
     <a:masterClrMapping/>
@@ -1133,6 +1111,7 @@
               <a:rPr lang="zh-CN" altLang="en-US" smtClean="0"/>
               <a:t>单击此处编辑母版文本样式</a:t>
             </a:r>
+            <a:endParaRPr lang="zh-CN" altLang="en-US" smtClean="0"/>
           </a:p>
           <a:p>
             <a:pPr lvl="1"/>
@@ -1140,6 +1119,7 @@
               <a:rPr lang="zh-CN" altLang="en-US" smtClean="0"/>
               <a:t>第二级</a:t>
             </a:r>
+            <a:endParaRPr lang="zh-CN" altLang="en-US" smtClean="0"/>
           </a:p>
           <a:p>
             <a:pPr lvl="2"/>
@@ -1147,6 +1127,7 @@
               <a:rPr lang="zh-CN" altLang="en-US" smtClean="0"/>
               <a:t>第三级</a:t>
             </a:r>
+            <a:endParaRPr lang="zh-CN" altLang="en-US" smtClean="0"/>
           </a:p>
           <a:p>
             <a:pPr lvl="3"/>
@@ -1154,6 +1135,7 @@
               <a:rPr lang="zh-CN" altLang="en-US" smtClean="0"/>
               <a:t>第四级</a:t>
             </a:r>
+            <a:endParaRPr lang="zh-CN" altLang="en-US" smtClean="0"/>
           </a:p>
           <a:p>
             <a:pPr lvl="4"/>
@@ -1190,6 +1172,7 @@
               <a:rPr lang="zh-CN" altLang="en-US" smtClean="0"/>
               <a:t>单击此处编辑母版文本样式</a:t>
             </a:r>
+            <a:endParaRPr lang="zh-CN" altLang="en-US" smtClean="0"/>
           </a:p>
           <a:p>
             <a:pPr lvl="1"/>
@@ -1197,6 +1180,7 @@
               <a:rPr lang="zh-CN" altLang="en-US" smtClean="0"/>
               <a:t>第二级</a:t>
             </a:r>
+            <a:endParaRPr lang="zh-CN" altLang="en-US" smtClean="0"/>
           </a:p>
           <a:p>
             <a:pPr lvl="2"/>
@@ -1204,6 +1188,7 @@
               <a:rPr lang="zh-CN" altLang="en-US" smtClean="0"/>
               <a:t>第三级</a:t>
             </a:r>
+            <a:endParaRPr lang="zh-CN" altLang="en-US" smtClean="0"/>
           </a:p>
           <a:p>
             <a:pPr lvl="3"/>
@@ -1211,6 +1196,7 @@
               <a:rPr lang="zh-CN" altLang="en-US" smtClean="0"/>
               <a:t>第四级</a:t>
             </a:r>
+            <a:endParaRPr lang="zh-CN" altLang="en-US" smtClean="0"/>
           </a:p>
           <a:p>
             <a:pPr lvl="4"/>
@@ -1239,7 +1225,6 @@
           <a:p>
             <a:fld id="{7E57C62A-2D2A-42D8-8094-A3B61F681581}" type="datetimeFigureOut">
               <a:rPr lang="zh-CN" altLang="en-US" smtClean="0"/>
-              <a:t>2016/11/3</a:t>
             </a:fld>
             <a:endParaRPr lang="zh-CN" altLang="en-US"/>
           </a:p>
@@ -1281,18 +1266,12 @@
           <a:p>
             <a:fld id="{D7DE75F7-4B0D-4F69-A246-7A093C8B660C}" type="slidenum">
               <a:rPr lang="zh-CN" altLang="en-US" smtClean="0"/>
-              <a:t>‹#›</a:t>
             </a:fld>
             <a:endParaRPr lang="zh-CN" altLang="en-US"/>
           </a:p>
         </p:txBody>
       </p:sp>
     </p:spTree>
-    <p:extLst>
-      <p:ext uri="{BB962C8B-B14F-4D97-AF65-F5344CB8AC3E}">
-        <p14:creationId xmlns:p14="http://schemas.microsoft.com/office/powerpoint/2010/main" val="4160893437"/>
-      </p:ext>
-    </p:extLst>
   </p:cSld>
   <p:clrMapOvr>
     <a:masterClrMapping/>
@@ -1407,6 +1386,7 @@
               <a:rPr lang="zh-CN" altLang="en-US" smtClean="0"/>
               <a:t>单击此处编辑母版文本样式</a:t>
             </a:r>
+            <a:endParaRPr lang="zh-CN" altLang="en-US" smtClean="0"/>
           </a:p>
         </p:txBody>
       </p:sp>
@@ -1435,6 +1415,7 @@
               <a:rPr lang="zh-CN" altLang="en-US" smtClean="0"/>
               <a:t>单击此处编辑母版文本样式</a:t>
             </a:r>
+            <a:endParaRPr lang="zh-CN" altLang="en-US" smtClean="0"/>
           </a:p>
           <a:p>
             <a:pPr lvl="1"/>
@@ -1442,6 +1423,7 @@
               <a:rPr lang="zh-CN" altLang="en-US" smtClean="0"/>
               <a:t>第二级</a:t>
             </a:r>
+            <a:endParaRPr lang="zh-CN" altLang="en-US" smtClean="0"/>
           </a:p>
           <a:p>
             <a:pPr lvl="2"/>
@@ -1449,6 +1431,7 @@
               <a:rPr lang="zh-CN" altLang="en-US" smtClean="0"/>
               <a:t>第三级</a:t>
             </a:r>
+            <a:endParaRPr lang="zh-CN" altLang="en-US" smtClean="0"/>
           </a:p>
           <a:p>
             <a:pPr lvl="3"/>
@@ -1456,6 +1439,7 @@
               <a:rPr lang="zh-CN" altLang="en-US" smtClean="0"/>
               <a:t>第四级</a:t>
             </a:r>
+            <a:endParaRPr lang="zh-CN" altLang="en-US" smtClean="0"/>
           </a:p>
           <a:p>
             <a:pPr lvl="4"/>
@@ -1529,6 +1513,7 @@
               <a:rPr lang="zh-CN" altLang="en-US" smtClean="0"/>
               <a:t>单击此处编辑母版文本样式</a:t>
             </a:r>
+            <a:endParaRPr lang="zh-CN" altLang="en-US" smtClean="0"/>
           </a:p>
         </p:txBody>
       </p:sp>
@@ -1557,6 +1542,7 @@
               <a:rPr lang="zh-CN" altLang="en-US" smtClean="0"/>
               <a:t>单击此处编辑母版文本样式</a:t>
             </a:r>
+            <a:endParaRPr lang="zh-CN" altLang="en-US" smtClean="0"/>
           </a:p>
           <a:p>
             <a:pPr lvl="1"/>
@@ -1564,6 +1550,7 @@
               <a:rPr lang="zh-CN" altLang="en-US" smtClean="0"/>
               <a:t>第二级</a:t>
             </a:r>
+            <a:endParaRPr lang="zh-CN" altLang="en-US" smtClean="0"/>
           </a:p>
           <a:p>
             <a:pPr lvl="2"/>
@@ -1571,6 +1558,7 @@
               <a:rPr lang="zh-CN" altLang="en-US" smtClean="0"/>
               <a:t>第三级</a:t>
             </a:r>
+            <a:endParaRPr lang="zh-CN" altLang="en-US" smtClean="0"/>
           </a:p>
           <a:p>
             <a:pPr lvl="3"/>
@@ -1578,6 +1566,7 @@
               <a:rPr lang="zh-CN" altLang="en-US" smtClean="0"/>
               <a:t>第四级</a:t>
             </a:r>
+            <a:endParaRPr lang="zh-CN" altLang="en-US" smtClean="0"/>
           </a:p>
           <a:p>
             <a:pPr lvl="4"/>
@@ -1606,7 +1595,6 @@
           <a:p>
             <a:fld id="{7E57C62A-2D2A-42D8-8094-A3B61F681581}" type="datetimeFigureOut">
               <a:rPr lang="zh-CN" altLang="en-US" smtClean="0"/>
-              <a:t>2016/11/3</a:t>
             </a:fld>
             <a:endParaRPr lang="zh-CN" altLang="en-US"/>
           </a:p>
@@ -1648,18 +1636,12 @@
           <a:p>
             <a:fld id="{D7DE75F7-4B0D-4F69-A246-7A093C8B660C}" type="slidenum">
               <a:rPr lang="zh-CN" altLang="en-US" smtClean="0"/>
-              <a:t>‹#›</a:t>
             </a:fld>
             <a:endParaRPr lang="zh-CN" altLang="en-US"/>
           </a:p>
         </p:txBody>
       </p:sp>
     </p:spTree>
-    <p:extLst>
-      <p:ext uri="{BB962C8B-B14F-4D97-AF65-F5344CB8AC3E}">
-        <p14:creationId xmlns:p14="http://schemas.microsoft.com/office/powerpoint/2010/main" val="4242645300"/>
-      </p:ext>
-    </p:extLst>
   </p:cSld>
   <p:clrMapOvr>
     <a:masterClrMapping/>
@@ -1724,7 +1706,6 @@
           <a:p>
             <a:fld id="{7E57C62A-2D2A-42D8-8094-A3B61F681581}" type="datetimeFigureOut">
               <a:rPr lang="zh-CN" altLang="en-US" smtClean="0"/>
-              <a:t>2016/11/3</a:t>
             </a:fld>
             <a:endParaRPr lang="zh-CN" altLang="en-US"/>
           </a:p>
@@ -1766,18 +1747,12 @@
           <a:p>
             <a:fld id="{D7DE75F7-4B0D-4F69-A246-7A093C8B660C}" type="slidenum">
               <a:rPr lang="zh-CN" altLang="en-US" smtClean="0"/>
-              <a:t>‹#›</a:t>
             </a:fld>
             <a:endParaRPr lang="zh-CN" altLang="en-US"/>
           </a:p>
         </p:txBody>
       </p:sp>
     </p:spTree>
-    <p:extLst>
-      <p:ext uri="{BB962C8B-B14F-4D97-AF65-F5344CB8AC3E}">
-        <p14:creationId xmlns:p14="http://schemas.microsoft.com/office/powerpoint/2010/main" val="3213778499"/>
-      </p:ext>
-    </p:extLst>
   </p:cSld>
   <p:clrMapOvr>
     <a:masterClrMapping/>
@@ -1819,7 +1794,6 @@
           <a:p>
             <a:fld id="{7E57C62A-2D2A-42D8-8094-A3B61F681581}" type="datetimeFigureOut">
               <a:rPr lang="zh-CN" altLang="en-US" smtClean="0"/>
-              <a:t>2016/11/3</a:t>
             </a:fld>
             <a:endParaRPr lang="zh-CN" altLang="en-US"/>
           </a:p>
@@ -1861,18 +1835,12 @@
           <a:p>
             <a:fld id="{D7DE75F7-4B0D-4F69-A246-7A093C8B660C}" type="slidenum">
               <a:rPr lang="zh-CN" altLang="en-US" smtClean="0"/>
-              <a:t>‹#›</a:t>
             </a:fld>
             <a:endParaRPr lang="zh-CN" altLang="en-US"/>
           </a:p>
         </p:txBody>
       </p:sp>
     </p:spTree>
-    <p:extLst>
-      <p:ext uri="{BB962C8B-B14F-4D97-AF65-F5344CB8AC3E}">
-        <p14:creationId xmlns:p14="http://schemas.microsoft.com/office/powerpoint/2010/main" val="1510363524"/>
-      </p:ext>
-    </p:extLst>
   </p:cSld>
   <p:clrMapOvr>
     <a:masterClrMapping/>
@@ -1982,6 +1950,7 @@
               <a:rPr lang="zh-CN" altLang="en-US" smtClean="0"/>
               <a:t>单击此处编辑母版文本样式</a:t>
             </a:r>
+            <a:endParaRPr lang="zh-CN" altLang="en-US" smtClean="0"/>
           </a:p>
           <a:p>
             <a:pPr lvl="1"/>
@@ -1989,6 +1958,7 @@
               <a:rPr lang="zh-CN" altLang="en-US" smtClean="0"/>
               <a:t>第二级</a:t>
             </a:r>
+            <a:endParaRPr lang="zh-CN" altLang="en-US" smtClean="0"/>
           </a:p>
           <a:p>
             <a:pPr lvl="2"/>
@@ -1996,6 +1966,7 @@
               <a:rPr lang="zh-CN" altLang="en-US" smtClean="0"/>
               <a:t>第三级</a:t>
             </a:r>
+            <a:endParaRPr lang="zh-CN" altLang="en-US" smtClean="0"/>
           </a:p>
           <a:p>
             <a:pPr lvl="3"/>
@@ -2003,6 +1974,7 @@
               <a:rPr lang="zh-CN" altLang="en-US" smtClean="0"/>
               <a:t>第四级</a:t>
             </a:r>
+            <a:endParaRPr lang="zh-CN" altLang="en-US" smtClean="0"/>
           </a:p>
           <a:p>
             <a:pPr lvl="4"/>
@@ -2076,6 +2048,7 @@
               <a:rPr lang="zh-CN" altLang="en-US" smtClean="0"/>
               <a:t>单击此处编辑母版文本样式</a:t>
             </a:r>
+            <a:endParaRPr lang="zh-CN" altLang="en-US" smtClean="0"/>
           </a:p>
         </p:txBody>
       </p:sp>
@@ -2096,7 +2069,6 @@
           <a:p>
             <a:fld id="{7E57C62A-2D2A-42D8-8094-A3B61F681581}" type="datetimeFigureOut">
               <a:rPr lang="zh-CN" altLang="en-US" smtClean="0"/>
-              <a:t>2016/11/3</a:t>
             </a:fld>
             <a:endParaRPr lang="zh-CN" altLang="en-US"/>
           </a:p>
@@ -2138,18 +2110,12 @@
           <a:p>
             <a:fld id="{D7DE75F7-4B0D-4F69-A246-7A093C8B660C}" type="slidenum">
               <a:rPr lang="zh-CN" altLang="en-US" smtClean="0"/>
-              <a:t>‹#›</a:t>
             </a:fld>
             <a:endParaRPr lang="zh-CN" altLang="en-US"/>
           </a:p>
         </p:txBody>
       </p:sp>
     </p:spTree>
-    <p:extLst>
-      <p:ext uri="{BB962C8B-B14F-4D97-AF65-F5344CB8AC3E}">
-        <p14:creationId xmlns:p14="http://schemas.microsoft.com/office/powerpoint/2010/main" val="913357972"/>
-      </p:ext>
-    </p:extLst>
   </p:cSld>
   <p:clrMapOvr>
     <a:masterClrMapping/>
@@ -2329,6 +2295,7 @@
               <a:rPr lang="zh-CN" altLang="en-US" smtClean="0"/>
               <a:t>单击此处编辑母版文本样式</a:t>
             </a:r>
+            <a:endParaRPr lang="zh-CN" altLang="en-US" smtClean="0"/>
           </a:p>
         </p:txBody>
       </p:sp>
@@ -2349,7 +2316,6 @@
           <a:p>
             <a:fld id="{7E57C62A-2D2A-42D8-8094-A3B61F681581}" type="datetimeFigureOut">
               <a:rPr lang="zh-CN" altLang="en-US" smtClean="0"/>
-              <a:t>2016/11/3</a:t>
             </a:fld>
             <a:endParaRPr lang="zh-CN" altLang="en-US"/>
           </a:p>
@@ -2391,18 +2357,12 @@
           <a:p>
             <a:fld id="{D7DE75F7-4B0D-4F69-A246-7A093C8B660C}" type="slidenum">
               <a:rPr lang="zh-CN" altLang="en-US" smtClean="0"/>
-              <a:t>‹#›</a:t>
             </a:fld>
             <a:endParaRPr lang="zh-CN" altLang="en-US"/>
           </a:p>
         </p:txBody>
       </p:sp>
     </p:spTree>
-    <p:extLst>
-      <p:ext uri="{BB962C8B-B14F-4D97-AF65-F5344CB8AC3E}">
-        <p14:creationId xmlns:p14="http://schemas.microsoft.com/office/powerpoint/2010/main" val="2211790230"/>
-      </p:ext>
-    </p:extLst>
   </p:cSld>
   <p:clrMapOvr>
     <a:masterClrMapping/>
@@ -2495,6 +2455,7 @@
               <a:rPr lang="zh-CN" altLang="en-US" smtClean="0"/>
               <a:t>单击此处编辑母版文本样式</a:t>
             </a:r>
+            <a:endParaRPr lang="zh-CN" altLang="en-US" smtClean="0"/>
           </a:p>
           <a:p>
             <a:pPr lvl="1"/>
@@ -2502,6 +2463,7 @@
               <a:rPr lang="zh-CN" altLang="en-US" smtClean="0"/>
               <a:t>第二级</a:t>
             </a:r>
+            <a:endParaRPr lang="zh-CN" altLang="en-US" smtClean="0"/>
           </a:p>
           <a:p>
             <a:pPr lvl="2"/>
@@ -2509,6 +2471,7 @@
               <a:rPr lang="zh-CN" altLang="en-US" smtClean="0"/>
               <a:t>第三级</a:t>
             </a:r>
+            <a:endParaRPr lang="zh-CN" altLang="en-US" smtClean="0"/>
           </a:p>
           <a:p>
             <a:pPr lvl="3"/>
@@ -2516,6 +2479,7 @@
               <a:rPr lang="zh-CN" altLang="en-US" smtClean="0"/>
               <a:t>第四级</a:t>
             </a:r>
+            <a:endParaRPr lang="zh-CN" altLang="en-US" smtClean="0"/>
           </a:p>
           <a:p>
             <a:pPr lvl="4"/>
@@ -2562,7 +2526,6 @@
           <a:p>
             <a:fld id="{7E57C62A-2D2A-42D8-8094-A3B61F681581}" type="datetimeFigureOut">
               <a:rPr lang="zh-CN" altLang="en-US" smtClean="0"/>
-              <a:t>2016/11/3</a:t>
             </a:fld>
             <a:endParaRPr lang="zh-CN" altLang="en-US"/>
           </a:p>
@@ -2640,18 +2603,12 @@
           <a:p>
             <a:fld id="{D7DE75F7-4B0D-4F69-A246-7A093C8B660C}" type="slidenum">
               <a:rPr lang="zh-CN" altLang="en-US" smtClean="0"/>
-              <a:t>‹#›</a:t>
             </a:fld>
             <a:endParaRPr lang="zh-CN" altLang="en-US"/>
           </a:p>
         </p:txBody>
       </p:sp>
     </p:spTree>
-    <p:extLst>
-      <p:ext uri="{BB962C8B-B14F-4D97-AF65-F5344CB8AC3E}">
-        <p14:creationId xmlns:p14="http://schemas.microsoft.com/office/powerpoint/2010/main" val="2557331416"/>
-      </p:ext>
-    </p:extLst>
   </p:cSld>
   <p:clrMap bg1="lt1" tx1="dk1" bg2="lt2" tx2="dk2" accent1="accent1" accent2="accent2" accent3="accent3" accent4="accent4" accent5="accent5" accent6="accent6" hlink="hlink" folHlink="folHlink"/>
   <p:sldLayoutIdLst>
@@ -3009,6 +2966,7 @@
               <a:rPr lang="en-US" altLang="zh-CN" dirty="0" smtClean="0"/>
               <a:t>					</a:t>
             </a:r>
+            <a:endParaRPr lang="en-US" altLang="zh-CN" dirty="0" smtClean="0"/>
           </a:p>
           <a:p>
             <a:r>
@@ -3021,7 +2979,7 @@
             </a:r>
             <a:r>
               <a:rPr lang="zh-CN" altLang="en-US" dirty="0" smtClean="0"/>
-              <a:t>黄振栋</a:t>
+              <a:t>钱东彦</a:t>
             </a:r>
             <a:endParaRPr lang="en-US" altLang="zh-CN" dirty="0" smtClean="0"/>
           </a:p>
@@ -3032,18 +2990,17 @@
             </a:r>
             <a:r>
               <a:rPr lang="en-US" altLang="zh-CN" dirty="0" smtClean="0"/>
-              <a:t>			BG2BKK</a:t>
-            </a:r>
-            <a:endParaRPr lang="zh-CN" altLang="en-US" dirty="0"/>
+              <a:t>			</a:t>
+            </a:r>
+            <a:r>
+              <a:rPr lang="en-US" altLang="zh-CN" dirty="0" smtClean="0"/>
+              <a:t>MarsDoge</a:t>
+            </a:r>
+            <a:endParaRPr lang="en-US" altLang="zh-CN" dirty="0" smtClean="0"/>
           </a:p>
         </p:txBody>
       </p:sp>
     </p:spTree>
-    <p:extLst>
-      <p:ext uri="{BB962C8B-B14F-4D97-AF65-F5344CB8AC3E}">
-        <p14:creationId xmlns:p14="http://schemas.microsoft.com/office/powerpoint/2010/main" val="2920364738"/>
-      </p:ext>
-    </p:extLst>
   </p:cSld>
   <p:clrMapOvr>
     <a:masterClrMapping/>
@@ -3094,6 +3051,7 @@
               <a:rPr lang="zh-CN" altLang="en-US" dirty="0"/>
               <a:t>简历</a:t>
             </a:r>
+            <a:endParaRPr lang="zh-CN" altLang="en-US" dirty="0"/>
           </a:p>
         </p:txBody>
       </p:sp>
@@ -3122,8 +3080,9 @@
             </a:r>
             <a:r>
               <a:rPr lang="en-US" altLang="zh-CN" dirty="0" smtClean="0"/>
-              <a:t>1990</a:t>
-            </a:r>
+              <a:t>1997</a:t>
+            </a:r>
+            <a:endParaRPr lang="en-US" altLang="zh-CN" dirty="0" smtClean="0"/>
           </a:p>
           <a:p>
             <a:r>
@@ -3140,43 +3099,13 @@
             </a:r>
             <a:r>
               <a:rPr lang="en-US" altLang="zh-CN" dirty="0" smtClean="0"/>
-              <a:t>/</a:t>
+              <a:t>/BIOS</a:t>
             </a:r>
             <a:r>
               <a:rPr lang="zh-CN" altLang="en-US" dirty="0" smtClean="0"/>
-              <a:t>系统开发工程师</a:t>
+              <a:t>开发工程师</a:t>
             </a:r>
             <a:endParaRPr lang="en-US" altLang="zh-CN" dirty="0"/>
-          </a:p>
-          <a:p>
-            <a:r>
-              <a:rPr lang="zh-CN" altLang="en-US" dirty="0"/>
-              <a:t>硕士</a:t>
-            </a:r>
-            <a:r>
-              <a:rPr lang="en-US" altLang="zh-CN" dirty="0"/>
-              <a:t>/</a:t>
-            </a:r>
-            <a:r>
-              <a:rPr lang="zh-CN" altLang="en-US" dirty="0"/>
-              <a:t>哈</a:t>
-            </a:r>
-            <a:r>
-              <a:rPr lang="zh-CN" altLang="en-US" dirty="0" smtClean="0"/>
-              <a:t>工大深研院</a:t>
-            </a:r>
-            <a:r>
-              <a:rPr lang="en-US" altLang="zh-CN" dirty="0" smtClean="0"/>
-              <a:t>/</a:t>
-            </a:r>
-            <a:r>
-              <a:rPr lang="zh-CN" altLang="en-US" dirty="0" smtClean="0"/>
-              <a:t>计算机</a:t>
-            </a:r>
-            <a:r>
-              <a:rPr lang="zh-CN" altLang="en-US" dirty="0"/>
-              <a:t>系</a:t>
-            </a:r>
           </a:p>
           <a:p>
             <a:r>
@@ -3189,65 +3118,60 @@
             </a:r>
             <a:r>
               <a:rPr lang="en-US" altLang="zh-CN" dirty="0" smtClean="0"/>
-              <a:t>22</a:t>
+              <a:t>3</a:t>
             </a:r>
             <a:r>
               <a:rPr lang="zh-CN" altLang="en-US" dirty="0" smtClean="0"/>
-              <a:t>个月</a:t>
+              <a:t>年</a:t>
+            </a:r>
+            <a:r>
+              <a:rPr lang="en-US" altLang="zh-CN" dirty="0" smtClean="0"/>
+              <a:t>+</a:t>
             </a:r>
             <a:endParaRPr lang="zh-CN" altLang="en-US" dirty="0"/>
-          </a:p>
-          <a:p>
-            <a:r>
-              <a:rPr lang="zh-CN" altLang="en-US" dirty="0"/>
-              <a:t>英语水平：</a:t>
-            </a:r>
-            <a:r>
-              <a:rPr lang="en-US" altLang="zh-CN" dirty="0"/>
-              <a:t>CET-6</a:t>
-            </a:r>
           </a:p>
           <a:p>
             <a:r>
               <a:rPr lang="zh-CN" altLang="en-US" dirty="0"/>
               <a:t>技术博客：</a:t>
+            </a:r>
+            <a:r>
+              <a:rPr lang="en-US" altLang="zh-CN" dirty="0">
+                <a:hlinkClick r:id="rId1"/>
+              </a:rPr>
+              <a:t>http://</a:t>
+            </a:r>
+            <a:r>
+              <a:rPr lang="en-US" altLang="zh-CN" dirty="0">
+                <a:hlinkClick r:id="rId1"/>
+              </a:rPr>
+              <a:t>MarsDoge.github.io</a:t>
+            </a:r>
+            <a:endParaRPr lang="en-US" altLang="zh-CN" dirty="0"/>
+          </a:p>
+          <a:p>
+            <a:r>
+              <a:rPr lang="en-US" altLang="zh-CN" dirty="0" err="1"/>
+              <a:t>Github</a:t>
+            </a:r>
+            <a:r>
+              <a:rPr lang="zh-CN" altLang="en-US" dirty="0"/>
+              <a:t>：</a:t>
             </a:r>
             <a:r>
               <a:rPr lang="en-US" altLang="zh-CN" dirty="0">
                 <a:hlinkClick r:id="rId2"/>
               </a:rPr>
-              <a:t>http://bg2bkk.github.io</a:t>
+              <a:t>http://github.com/MarsDoge</a:t>
             </a:r>
             <a:endParaRPr lang="en-US" altLang="zh-CN" dirty="0"/>
           </a:p>
           <a:p>
-            <a:r>
-              <a:rPr lang="en-US" altLang="zh-CN" dirty="0" err="1"/>
-              <a:t>Github</a:t>
-            </a:r>
-            <a:r>
-              <a:rPr lang="zh-CN" altLang="en-US" dirty="0"/>
-              <a:t>：</a:t>
-            </a:r>
-            <a:r>
-              <a:rPr lang="en-US" altLang="zh-CN" dirty="0">
-                <a:hlinkClick r:id="rId3"/>
-              </a:rPr>
-              <a:t>http://github.com/bg2bkk</a:t>
-            </a:r>
-            <a:endParaRPr lang="en-US" altLang="zh-CN" dirty="0"/>
-          </a:p>
-          <a:p>
             <a:endParaRPr lang="zh-CN" altLang="en-US" dirty="0"/>
           </a:p>
         </p:txBody>
       </p:sp>
     </p:spTree>
-    <p:extLst>
-      <p:ext uri="{BB962C8B-B14F-4D97-AF65-F5344CB8AC3E}">
-        <p14:creationId xmlns:p14="http://schemas.microsoft.com/office/powerpoint/2010/main" val="3042034090"/>
-      </p:ext>
-    </p:extLst>
   </p:cSld>
   <p:clrMapOvr>
     <a:masterClrMapping/>
@@ -3342,11 +3266,6 @@
         </p:txBody>
       </p:sp>
     </p:spTree>
-    <p:extLst>
-      <p:ext uri="{BB962C8B-B14F-4D97-AF65-F5344CB8AC3E}">
-        <p14:creationId xmlns:p14="http://schemas.microsoft.com/office/powerpoint/2010/main" val="1876186851"/>
-      </p:ext>
-    </p:extLst>
   </p:cSld>
   <p:clrMapOvr>
     <a:masterClrMapping/>
@@ -3414,11 +3333,6 @@
         </p:txBody>
       </p:sp>
     </p:spTree>
-    <p:extLst>
-      <p:ext uri="{BB962C8B-B14F-4D97-AF65-F5344CB8AC3E}">
-        <p14:creationId xmlns:p14="http://schemas.microsoft.com/office/powerpoint/2010/main" val="3999777301"/>
-      </p:ext>
-    </p:extLst>
   </p:cSld>
   <p:clrMapOvr>
     <a:masterClrMapping/>
@@ -3469,7 +3383,7 @@
     </a:clrScheme>
     <a:fontScheme name="Office">
       <a:majorFont>
-        <a:latin typeface="Calibri Light" panose="020F0302020204030204"/>
+        <a:latin typeface="Calibri Light"/>
         <a:ea typeface=""/>
         <a:cs typeface=""/>
         <a:font script="Jpan" typeface="ＭＳ Ｐゴシック"/>
@@ -3504,7 +3418,7 @@
         <a:font script="Geor" typeface="Sylfaen"/>
       </a:majorFont>
       <a:minorFont>
-        <a:latin typeface="Calibri" panose="020F0502020204030204"/>
+        <a:latin typeface="Calibri"/>
         <a:ea typeface=""/>
         <a:cs typeface=""/>
         <a:font script="Jpan" typeface="ＭＳ Ｐゴシック"/>
@@ -3677,8 +3591,6 @@
       </a:bgFillStyleLst>
     </a:fmtScheme>
   </a:themeElements>
-  <a:objectDefaults/>
-  <a:extraClrSchemeLst/>
   <a:extLst>
     <a:ext uri="{05A4C25C-085E-4340-85A3-A5531E510DB2}">
       <thm15:themeFamily xmlns:thm15="http://schemas.microsoft.com/office/thememl/2012/main" name="Office Theme" id="{62F939B6-93AF-4DB8-9C6B-D6C7DFDC589F}" vid="{4A3C46E8-61CC-4603-A589-7422A47A8E4A}"/>
